--- a/slides/Tag-3_2-Container-Registry.pptx
+++ b/slides/Tag-3_2-Container-Registry.pptx
@@ -2535,7 +2535,7 @@
               <a:pPr algn="ctr">
                 <a:defRPr/>
               </a:pPr>
-              <a:t>19.06.2024</a:t>
+              <a:t>06.07.2024</a:t>
             </a:fld>
             <a:endParaRPr lang="de-DE" sz="1000">
               <a:solidFill>
@@ -4638,8 +4638,12 @@
               <a:buNone/>
             </a:pPr>
             <a:r>
+              <a:rPr lang="de-DE" altLang="de-DE" sz="1600"/>
+              <a:t>10.07.2024</a:t>
+            </a:r>
+            <a:r>
               <a:rPr lang="de-DE" altLang="de-DE" sz="1600" dirty="0"/>
-              <a:t>19.06.2024, Daniel Krämer</a:t>
+              <a:t>, Daniel Krämer</a:t>
             </a:r>
           </a:p>
         </p:txBody>

--- a/slides/Tag-3_2-Container-Registry.pptx
+++ b/slides/Tag-3_2-Container-Registry.pptx
@@ -2535,7 +2535,7 @@
               <a:pPr algn="ctr">
                 <a:defRPr/>
               </a:pPr>
-              <a:t>06.07.2024</a:t>
+              <a:t>10.07.2024</a:t>
             </a:fld>
             <a:endParaRPr lang="de-DE" sz="1000">
               <a:solidFill>
@@ -2920,7 +2920,7 @@
         <p:spPr bwMode="auto">
           <a:xfrm>
             <a:off x="3900200" y="6451600"/>
-            <a:ext cx="2121093" cy="246221"/>
+            <a:ext cx="2044149" cy="246221"/>
           </a:xfrm>
           <a:prstGeom prst="rect">
             <a:avLst/>
@@ -2950,7 +2950,7 @@
                 </a:solidFill>
                 <a:latin typeface="Arial" charset="0"/>
               </a:rPr>
-              <a:t>Tag-3_3-Container-Registry.pptx</a:t>
+              <a:t>Tag-3_2-Container-Registry.pptx</a:t>
             </a:r>
             <a:endParaRPr lang="de-DE" dirty="0">
               <a:solidFill>
